--- a/Documents/発表資料.pptx
+++ b/Documents/発表資料.pptx
@@ -1132,10 +1132,24 @@
     <dgm:pt modelId="{27F7CA08-AD43-4847-B015-71DF63779BE5}" type="pres">
       <dgm:prSet presAssocID="{8041AF48-7C40-4BDE-A44A-B7F240BB5D60}" presName="sibTrans" presStyleLbl="sibTrans2D1" presStyleIdx="0" presStyleCnt="4"/>
       <dgm:spPr/>
+      <dgm:t>
+        <a:bodyPr/>
+        <a:lstStyle/>
+        <a:p>
+          <a:endParaRPr kumimoji="1" lang="ja-JP" altLang="en-US"/>
+        </a:p>
+      </dgm:t>
     </dgm:pt>
     <dgm:pt modelId="{88B3184C-C538-4664-9CDA-E60E5E5C68DF}" type="pres">
       <dgm:prSet presAssocID="{8041AF48-7C40-4BDE-A44A-B7F240BB5D60}" presName="connectorText" presStyleLbl="sibTrans2D1" presStyleIdx="0" presStyleCnt="4"/>
       <dgm:spPr/>
+      <dgm:t>
+        <a:bodyPr/>
+        <a:lstStyle/>
+        <a:p>
+          <a:endParaRPr kumimoji="1" lang="ja-JP" altLang="en-US"/>
+        </a:p>
+      </dgm:t>
     </dgm:pt>
     <dgm:pt modelId="{AD754524-2C6C-4F5F-92EE-DBC9380FE48D}" type="pres">
       <dgm:prSet presAssocID="{DC7EE49C-9443-4793-B985-F89957DAC2DE}" presName="node" presStyleLbl="node1" presStyleIdx="1" presStyleCnt="5">
@@ -1155,10 +1169,24 @@
     <dgm:pt modelId="{33391DB0-973B-4C1A-8ED4-B62FBFDBB754}" type="pres">
       <dgm:prSet presAssocID="{3A835EF9-E526-42F3-92DE-3C23613CC60D}" presName="sibTrans" presStyleLbl="sibTrans2D1" presStyleIdx="1" presStyleCnt="4"/>
       <dgm:spPr/>
+      <dgm:t>
+        <a:bodyPr/>
+        <a:lstStyle/>
+        <a:p>
+          <a:endParaRPr kumimoji="1" lang="ja-JP" altLang="en-US"/>
+        </a:p>
+      </dgm:t>
     </dgm:pt>
     <dgm:pt modelId="{AF4FB4B8-1AA5-4970-A073-D42C436788D5}" type="pres">
       <dgm:prSet presAssocID="{3A835EF9-E526-42F3-92DE-3C23613CC60D}" presName="connectorText" presStyleLbl="sibTrans2D1" presStyleIdx="1" presStyleCnt="4"/>
       <dgm:spPr/>
+      <dgm:t>
+        <a:bodyPr/>
+        <a:lstStyle/>
+        <a:p>
+          <a:endParaRPr kumimoji="1" lang="ja-JP" altLang="en-US"/>
+        </a:p>
+      </dgm:t>
     </dgm:pt>
     <dgm:pt modelId="{39224143-A2E4-4540-9C45-119CCE934F2F}" type="pres">
       <dgm:prSet presAssocID="{C3C89262-AC62-49B9-ADDC-E688EC9D8566}" presName="node" presStyleLbl="node1" presStyleIdx="2" presStyleCnt="5">
@@ -1178,10 +1206,24 @@
     <dgm:pt modelId="{1F95E87C-6721-4E73-B66B-EAF979ED85E7}" type="pres">
       <dgm:prSet presAssocID="{269F164F-0552-410D-883C-3324332AF38E}" presName="sibTrans" presStyleLbl="sibTrans2D1" presStyleIdx="2" presStyleCnt="4"/>
       <dgm:spPr/>
+      <dgm:t>
+        <a:bodyPr/>
+        <a:lstStyle/>
+        <a:p>
+          <a:endParaRPr kumimoji="1" lang="ja-JP" altLang="en-US"/>
+        </a:p>
+      </dgm:t>
     </dgm:pt>
     <dgm:pt modelId="{4C2F4AD2-E5F3-4621-B427-C470B1F9351B}" type="pres">
       <dgm:prSet presAssocID="{269F164F-0552-410D-883C-3324332AF38E}" presName="connectorText" presStyleLbl="sibTrans2D1" presStyleIdx="2" presStyleCnt="4"/>
       <dgm:spPr/>
+      <dgm:t>
+        <a:bodyPr/>
+        <a:lstStyle/>
+        <a:p>
+          <a:endParaRPr kumimoji="1" lang="ja-JP" altLang="en-US"/>
+        </a:p>
+      </dgm:t>
     </dgm:pt>
     <dgm:pt modelId="{BE904B47-004E-47D3-9959-436E2D24A7AD}" type="pres">
       <dgm:prSet presAssocID="{F6DFE7D8-3032-40C6-ACF9-CF6F7E9A7C2D}" presName="node" presStyleLbl="node1" presStyleIdx="3" presStyleCnt="5">
@@ -1201,10 +1243,24 @@
     <dgm:pt modelId="{DD8B1654-A58A-4DAA-A8ED-B54F70B7C905}" type="pres">
       <dgm:prSet presAssocID="{187AF7EC-35DF-40A8-AB0E-FA7F4D96D1F5}" presName="sibTrans" presStyleLbl="sibTrans2D1" presStyleIdx="3" presStyleCnt="4"/>
       <dgm:spPr/>
+      <dgm:t>
+        <a:bodyPr/>
+        <a:lstStyle/>
+        <a:p>
+          <a:endParaRPr kumimoji="1" lang="ja-JP" altLang="en-US"/>
+        </a:p>
+      </dgm:t>
     </dgm:pt>
     <dgm:pt modelId="{19ABC3E6-8112-4784-973E-87DBCC98F010}" type="pres">
       <dgm:prSet presAssocID="{187AF7EC-35DF-40A8-AB0E-FA7F4D96D1F5}" presName="connectorText" presStyleLbl="sibTrans2D1" presStyleIdx="3" presStyleCnt="4"/>
       <dgm:spPr/>
+      <dgm:t>
+        <a:bodyPr/>
+        <a:lstStyle/>
+        <a:p>
+          <a:endParaRPr kumimoji="1" lang="ja-JP" altLang="en-US"/>
+        </a:p>
+      </dgm:t>
     </dgm:pt>
     <dgm:pt modelId="{8ED1B04D-421E-47DA-B31B-DB3AF4F5D617}" type="pres">
       <dgm:prSet presAssocID="{04D54C66-EB27-4215-94E3-E69391741340}" presName="node" presStyleLbl="node1" presStyleIdx="4" presStyleCnt="5">
@@ -1223,25 +1279,25 @@
     </dgm:pt>
   </dgm:ptLst>
   <dgm:cxnLst>
+    <dgm:cxn modelId="{8D365472-0725-44DD-B9FA-BA8DFEC8977F}" type="presOf" srcId="{3A835EF9-E526-42F3-92DE-3C23613CC60D}" destId="{33391DB0-973B-4C1A-8ED4-B62FBFDBB754}" srcOrd="0" destOrd="0" presId="urn:microsoft.com/office/officeart/2005/8/layout/process1"/>
+    <dgm:cxn modelId="{01B08B81-9FDF-4809-9450-BC68E44C4439}" type="presOf" srcId="{269F164F-0552-410D-883C-3324332AF38E}" destId="{1F95E87C-6721-4E73-B66B-EAF979ED85E7}" srcOrd="0" destOrd="0" presId="urn:microsoft.com/office/officeart/2005/8/layout/process1"/>
+    <dgm:cxn modelId="{F09BBF97-6F5B-4105-80DA-A4C17D652E77}" type="presOf" srcId="{187AF7EC-35DF-40A8-AB0E-FA7F4D96D1F5}" destId="{DD8B1654-A58A-4DAA-A8ED-B54F70B7C905}" srcOrd="0" destOrd="0" presId="urn:microsoft.com/office/officeart/2005/8/layout/process1"/>
+    <dgm:cxn modelId="{0B579634-3DE1-4654-A09A-323BB0B17F94}" srcId="{5F0DA6F6-2C48-4DB7-8932-7FD64E90D7E0}" destId="{04D54C66-EB27-4215-94E3-E69391741340}" srcOrd="4" destOrd="0" parTransId="{09A895D9-EA54-48D4-A1E4-6028E75B647F}" sibTransId="{EC0420F5-1E58-4DD2-8B30-4033EE16EA9A}"/>
     <dgm:cxn modelId="{BDDC9356-EA63-4079-B9F0-B7563D5FA1B5}" type="presOf" srcId="{C3C89262-AC62-49B9-ADDC-E688EC9D8566}" destId="{39224143-A2E4-4540-9C45-119CCE934F2F}" srcOrd="0" destOrd="0" presId="urn:microsoft.com/office/officeart/2005/8/layout/process1"/>
+    <dgm:cxn modelId="{98DC7A53-E0AE-4691-9BF7-175E5807B206}" srcId="{5F0DA6F6-2C48-4DB7-8932-7FD64E90D7E0}" destId="{F6DFE7D8-3032-40C6-ACF9-CF6F7E9A7C2D}" srcOrd="3" destOrd="0" parTransId="{B19F1CD3-C0A5-4241-9632-5073ACEC40F5}" sibTransId="{187AF7EC-35DF-40A8-AB0E-FA7F4D96D1F5}"/>
+    <dgm:cxn modelId="{16EB2644-4771-4A96-972B-C34C231717C9}" type="presOf" srcId="{5F0DA6F6-2C48-4DB7-8932-7FD64E90D7E0}" destId="{853C1CE8-C606-4B75-8CB6-6DE2B5D68FB6}" srcOrd="0" destOrd="0" presId="urn:microsoft.com/office/officeart/2005/8/layout/process1"/>
+    <dgm:cxn modelId="{63C6411C-1D17-47E3-B2FC-3E5D7215BA70}" srcId="{5F0DA6F6-2C48-4DB7-8932-7FD64E90D7E0}" destId="{E8606AD2-7C8B-4BB4-9EAE-D17941A4D011}" srcOrd="0" destOrd="0" parTransId="{50CB4B49-EE4F-42CB-A30F-566059A2BF80}" sibTransId="{8041AF48-7C40-4BDE-A44A-B7F240BB5D60}"/>
+    <dgm:cxn modelId="{BF5F55FD-8BD7-4CB0-8AFD-25D5A2B4E091}" type="presOf" srcId="{DC7EE49C-9443-4793-B985-F89957DAC2DE}" destId="{AD754524-2C6C-4F5F-92EE-DBC9380FE48D}" srcOrd="0" destOrd="0" presId="urn:microsoft.com/office/officeart/2005/8/layout/process1"/>
+    <dgm:cxn modelId="{2C1B1D43-2E2C-4BE8-B559-26876E3B60CB}" type="presOf" srcId="{F6DFE7D8-3032-40C6-ACF9-CF6F7E9A7C2D}" destId="{BE904B47-004E-47D3-9959-436E2D24A7AD}" srcOrd="0" destOrd="0" presId="urn:microsoft.com/office/officeart/2005/8/layout/process1"/>
+    <dgm:cxn modelId="{E5672E28-33C6-4C01-A9B5-639C9AE22415}" type="presOf" srcId="{04D54C66-EB27-4215-94E3-E69391741340}" destId="{8ED1B04D-421E-47DA-B31B-DB3AF4F5D617}" srcOrd="0" destOrd="0" presId="urn:microsoft.com/office/officeart/2005/8/layout/process1"/>
     <dgm:cxn modelId="{4A6B03E9-CBAA-4FC1-9C2B-495B6E1727BD}" type="presOf" srcId="{269F164F-0552-410D-883C-3324332AF38E}" destId="{4C2F4AD2-E5F3-4621-B427-C470B1F9351B}" srcOrd="1" destOrd="0" presId="urn:microsoft.com/office/officeart/2005/8/layout/process1"/>
+    <dgm:cxn modelId="{82E86DFA-4838-40D4-9D0C-701C8F8CEC84}" type="presOf" srcId="{8041AF48-7C40-4BDE-A44A-B7F240BB5D60}" destId="{88B3184C-C538-4664-9CDA-E60E5E5C68DF}" srcOrd="1" destOrd="0" presId="urn:microsoft.com/office/officeart/2005/8/layout/process1"/>
+    <dgm:cxn modelId="{5AC5BADF-13E7-43C8-B95C-CBF8D69F8DFD}" type="presOf" srcId="{E8606AD2-7C8B-4BB4-9EAE-D17941A4D011}" destId="{7026D5F4-6774-4FAA-BC46-8C3D35468AF2}" srcOrd="0" destOrd="0" presId="urn:microsoft.com/office/officeart/2005/8/layout/process1"/>
+    <dgm:cxn modelId="{5CEA8C83-60A6-4E18-8E0E-9B91DDCC4D75}" srcId="{5F0DA6F6-2C48-4DB7-8932-7FD64E90D7E0}" destId="{DC7EE49C-9443-4793-B985-F89957DAC2DE}" srcOrd="1" destOrd="0" parTransId="{8E9AF0C8-FFED-475F-8A59-9689B62382E9}" sibTransId="{3A835EF9-E526-42F3-92DE-3C23613CC60D}"/>
+    <dgm:cxn modelId="{66359011-3297-4504-9EBE-56BF92CB6FE4}" srcId="{5F0DA6F6-2C48-4DB7-8932-7FD64E90D7E0}" destId="{C3C89262-AC62-49B9-ADDC-E688EC9D8566}" srcOrd="2" destOrd="0" parTransId="{DEBB97DD-0EAA-4461-AC46-B6923E59285C}" sibTransId="{269F164F-0552-410D-883C-3324332AF38E}"/>
     <dgm:cxn modelId="{6A43BE60-B8AD-475E-99F4-51130E219123}" type="presOf" srcId="{8041AF48-7C40-4BDE-A44A-B7F240BB5D60}" destId="{27F7CA08-AD43-4847-B015-71DF63779BE5}" srcOrd="0" destOrd="0" presId="urn:microsoft.com/office/officeart/2005/8/layout/process1"/>
-    <dgm:cxn modelId="{F09BBF97-6F5B-4105-80DA-A4C17D652E77}" type="presOf" srcId="{187AF7EC-35DF-40A8-AB0E-FA7F4D96D1F5}" destId="{DD8B1654-A58A-4DAA-A8ED-B54F70B7C905}" srcOrd="0" destOrd="0" presId="urn:microsoft.com/office/officeart/2005/8/layout/process1"/>
-    <dgm:cxn modelId="{5AC5BADF-13E7-43C8-B95C-CBF8D69F8DFD}" type="presOf" srcId="{E8606AD2-7C8B-4BB4-9EAE-D17941A4D011}" destId="{7026D5F4-6774-4FAA-BC46-8C3D35468AF2}" srcOrd="0" destOrd="0" presId="urn:microsoft.com/office/officeart/2005/8/layout/process1"/>
-    <dgm:cxn modelId="{66359011-3297-4504-9EBE-56BF92CB6FE4}" srcId="{5F0DA6F6-2C48-4DB7-8932-7FD64E90D7E0}" destId="{C3C89262-AC62-49B9-ADDC-E688EC9D8566}" srcOrd="2" destOrd="0" parTransId="{DEBB97DD-0EAA-4461-AC46-B6923E59285C}" sibTransId="{269F164F-0552-410D-883C-3324332AF38E}"/>
-    <dgm:cxn modelId="{01B08B81-9FDF-4809-9450-BC68E44C4439}" type="presOf" srcId="{269F164F-0552-410D-883C-3324332AF38E}" destId="{1F95E87C-6721-4E73-B66B-EAF979ED85E7}" srcOrd="0" destOrd="0" presId="urn:microsoft.com/office/officeart/2005/8/layout/process1"/>
-    <dgm:cxn modelId="{E5672E28-33C6-4C01-A9B5-639C9AE22415}" type="presOf" srcId="{04D54C66-EB27-4215-94E3-E69391741340}" destId="{8ED1B04D-421E-47DA-B31B-DB3AF4F5D617}" srcOrd="0" destOrd="0" presId="urn:microsoft.com/office/officeart/2005/8/layout/process1"/>
-    <dgm:cxn modelId="{0B579634-3DE1-4654-A09A-323BB0B17F94}" srcId="{5F0DA6F6-2C48-4DB7-8932-7FD64E90D7E0}" destId="{04D54C66-EB27-4215-94E3-E69391741340}" srcOrd="4" destOrd="0" parTransId="{09A895D9-EA54-48D4-A1E4-6028E75B647F}" sibTransId="{EC0420F5-1E58-4DD2-8B30-4033EE16EA9A}"/>
-    <dgm:cxn modelId="{63C6411C-1D17-47E3-B2FC-3E5D7215BA70}" srcId="{5F0DA6F6-2C48-4DB7-8932-7FD64E90D7E0}" destId="{E8606AD2-7C8B-4BB4-9EAE-D17941A4D011}" srcOrd="0" destOrd="0" parTransId="{50CB4B49-EE4F-42CB-A30F-566059A2BF80}" sibTransId="{8041AF48-7C40-4BDE-A44A-B7F240BB5D60}"/>
-    <dgm:cxn modelId="{82E86DFA-4838-40D4-9D0C-701C8F8CEC84}" type="presOf" srcId="{8041AF48-7C40-4BDE-A44A-B7F240BB5D60}" destId="{88B3184C-C538-4664-9CDA-E60E5E5C68DF}" srcOrd="1" destOrd="0" presId="urn:microsoft.com/office/officeart/2005/8/layout/process1"/>
-    <dgm:cxn modelId="{8D365472-0725-44DD-B9FA-BA8DFEC8977F}" type="presOf" srcId="{3A835EF9-E526-42F3-92DE-3C23613CC60D}" destId="{33391DB0-973B-4C1A-8ED4-B62FBFDBB754}" srcOrd="0" destOrd="0" presId="urn:microsoft.com/office/officeart/2005/8/layout/process1"/>
     <dgm:cxn modelId="{24A79F99-BC2B-4B50-82EB-51DEBC17214C}" type="presOf" srcId="{187AF7EC-35DF-40A8-AB0E-FA7F4D96D1F5}" destId="{19ABC3E6-8112-4784-973E-87DBCC98F010}" srcOrd="1" destOrd="0" presId="urn:microsoft.com/office/officeart/2005/8/layout/process1"/>
-    <dgm:cxn modelId="{BF5F55FD-8BD7-4CB0-8AFD-25D5A2B4E091}" type="presOf" srcId="{DC7EE49C-9443-4793-B985-F89957DAC2DE}" destId="{AD754524-2C6C-4F5F-92EE-DBC9380FE48D}" srcOrd="0" destOrd="0" presId="urn:microsoft.com/office/officeart/2005/8/layout/process1"/>
     <dgm:cxn modelId="{0D7FC8F7-FA87-4280-AEB5-ADCF8EABC254}" type="presOf" srcId="{3A835EF9-E526-42F3-92DE-3C23613CC60D}" destId="{AF4FB4B8-1AA5-4970-A073-D42C436788D5}" srcOrd="1" destOrd="0" presId="urn:microsoft.com/office/officeart/2005/8/layout/process1"/>
-    <dgm:cxn modelId="{16EB2644-4771-4A96-972B-C34C231717C9}" type="presOf" srcId="{5F0DA6F6-2C48-4DB7-8932-7FD64E90D7E0}" destId="{853C1CE8-C606-4B75-8CB6-6DE2B5D68FB6}" srcOrd="0" destOrd="0" presId="urn:microsoft.com/office/officeart/2005/8/layout/process1"/>
-    <dgm:cxn modelId="{2C1B1D43-2E2C-4BE8-B559-26876E3B60CB}" type="presOf" srcId="{F6DFE7D8-3032-40C6-ACF9-CF6F7E9A7C2D}" destId="{BE904B47-004E-47D3-9959-436E2D24A7AD}" srcOrd="0" destOrd="0" presId="urn:microsoft.com/office/officeart/2005/8/layout/process1"/>
-    <dgm:cxn modelId="{98DC7A53-E0AE-4691-9BF7-175E5807B206}" srcId="{5F0DA6F6-2C48-4DB7-8932-7FD64E90D7E0}" destId="{F6DFE7D8-3032-40C6-ACF9-CF6F7E9A7C2D}" srcOrd="3" destOrd="0" parTransId="{B19F1CD3-C0A5-4241-9632-5073ACEC40F5}" sibTransId="{187AF7EC-35DF-40A8-AB0E-FA7F4D96D1F5}"/>
-    <dgm:cxn modelId="{5CEA8C83-60A6-4E18-8E0E-9B91DDCC4D75}" srcId="{5F0DA6F6-2C48-4DB7-8932-7FD64E90D7E0}" destId="{DC7EE49C-9443-4793-B985-F89957DAC2DE}" srcOrd="1" destOrd="0" parTransId="{8E9AF0C8-FFED-475F-8A59-9689B62382E9}" sibTransId="{3A835EF9-E526-42F3-92DE-3C23613CC60D}"/>
     <dgm:cxn modelId="{6BE58289-B42E-4BAC-87CF-C0B6F1D2AF4A}" type="presParOf" srcId="{853C1CE8-C606-4B75-8CB6-6DE2B5D68FB6}" destId="{7026D5F4-6774-4FAA-BC46-8C3D35468AF2}" srcOrd="0" destOrd="0" presId="urn:microsoft.com/office/officeart/2005/8/layout/process1"/>
     <dgm:cxn modelId="{D30C0A3B-0D28-4EFB-B7B5-B0379EA07B25}" type="presParOf" srcId="{853C1CE8-C606-4B75-8CB6-6DE2B5D68FB6}" destId="{27F7CA08-AD43-4847-B015-71DF63779BE5}" srcOrd="1" destOrd="0" presId="urn:microsoft.com/office/officeart/2005/8/layout/process1"/>
     <dgm:cxn modelId="{0712F308-5C2F-4984-B3D1-B905EF699F14}" type="presParOf" srcId="{27F7CA08-AD43-4847-B015-71DF63779BE5}" destId="{88B3184C-C538-4664-9CDA-E60E5E5C68DF}" srcOrd="0" destOrd="0" presId="urn:microsoft.com/office/officeart/2005/8/layout/process1"/>
@@ -3241,7 +3297,7 @@
           <a:p>
             <a:fld id="{712A1458-55B5-4C9F-84C7-04226B16290C}" type="datetimeFigureOut">
               <a:rPr kumimoji="1" lang="ja-JP" altLang="en-US" smtClean="0"/>
-              <a:t>2018/6/1</a:t>
+              <a:t>2018/6/2</a:t>
             </a:fld>
             <a:endParaRPr kumimoji="1" lang="ja-JP" altLang="en-US"/>
           </a:p>
@@ -4065,7 +4121,7 @@
           <a:p>
             <a:fld id="{43ACC8AE-FDAC-416B-848C-B56D92F4D0F2}" type="datetimeFigureOut">
               <a:rPr kumimoji="1" lang="ja-JP" altLang="en-US" smtClean="0"/>
-              <a:t>2018/6/1</a:t>
+              <a:t>2018/6/2</a:t>
             </a:fld>
             <a:endParaRPr kumimoji="1" lang="ja-JP" altLang="en-US"/>
           </a:p>
@@ -4403,7 +4459,7 @@
           <a:p>
             <a:fld id="{43ACC8AE-FDAC-416B-848C-B56D92F4D0F2}" type="datetimeFigureOut">
               <a:rPr kumimoji="1" lang="ja-JP" altLang="en-US" smtClean="0"/>
-              <a:t>2018/6/1</a:t>
+              <a:t>2018/6/2</a:t>
             </a:fld>
             <a:endParaRPr kumimoji="1" lang="ja-JP" altLang="en-US"/>
           </a:p>
@@ -4804,7 +4860,7 @@
           <a:p>
             <a:fld id="{43ACC8AE-FDAC-416B-848C-B56D92F4D0F2}" type="datetimeFigureOut">
               <a:rPr kumimoji="1" lang="ja-JP" altLang="en-US" smtClean="0"/>
-              <a:t>2018/6/1</a:t>
+              <a:t>2018/6/2</a:t>
             </a:fld>
             <a:endParaRPr kumimoji="1" lang="ja-JP" altLang="en-US"/>
           </a:p>
@@ -5140,7 +5196,7 @@
           <a:p>
             <a:fld id="{43ACC8AE-FDAC-416B-848C-B56D92F4D0F2}" type="datetimeFigureOut">
               <a:rPr kumimoji="1" lang="ja-JP" altLang="en-US" smtClean="0"/>
-              <a:t>2018/6/1</a:t>
+              <a:t>2018/6/2</a:t>
             </a:fld>
             <a:endParaRPr kumimoji="1" lang="ja-JP" altLang="en-US"/>
           </a:p>
@@ -5460,7 +5516,7 @@
           <a:p>
             <a:fld id="{43ACC8AE-FDAC-416B-848C-B56D92F4D0F2}" type="datetimeFigureOut">
               <a:rPr kumimoji="1" lang="ja-JP" altLang="en-US" smtClean="0"/>
-              <a:t>2018/6/1</a:t>
+              <a:t>2018/6/2</a:t>
             </a:fld>
             <a:endParaRPr kumimoji="1" lang="ja-JP" altLang="en-US"/>
           </a:p>
@@ -5856,7 +5912,7 @@
           <a:p>
             <a:fld id="{43ACC8AE-FDAC-416B-848C-B56D92F4D0F2}" type="datetimeFigureOut">
               <a:rPr kumimoji="1" lang="ja-JP" altLang="en-US" smtClean="0"/>
-              <a:t>2018/6/1</a:t>
+              <a:t>2018/6/2</a:t>
             </a:fld>
             <a:endParaRPr kumimoji="1" lang="ja-JP" altLang="en-US"/>
           </a:p>
@@ -6145,7 +6201,7 @@
           <a:p>
             <a:fld id="{43ACC8AE-FDAC-416B-848C-B56D92F4D0F2}" type="datetimeFigureOut">
               <a:rPr kumimoji="1" lang="ja-JP" altLang="en-US" smtClean="0"/>
-              <a:t>2018/6/1</a:t>
+              <a:t>2018/6/2</a:t>
             </a:fld>
             <a:endParaRPr kumimoji="1" lang="ja-JP" altLang="en-US"/>
           </a:p>
@@ -6439,7 +6495,7 @@
           <a:p>
             <a:fld id="{43ACC8AE-FDAC-416B-848C-B56D92F4D0F2}" type="datetimeFigureOut">
               <a:rPr kumimoji="1" lang="ja-JP" altLang="en-US" smtClean="0"/>
-              <a:t>2018/6/1</a:t>
+              <a:t>2018/6/2</a:t>
             </a:fld>
             <a:endParaRPr kumimoji="1" lang="ja-JP" altLang="en-US"/>
           </a:p>
@@ -6733,7 +6789,7 @@
           <a:p>
             <a:fld id="{43ACC8AE-FDAC-416B-848C-B56D92F4D0F2}" type="datetimeFigureOut">
               <a:rPr kumimoji="1" lang="ja-JP" altLang="en-US" smtClean="0"/>
-              <a:t>2018/6/1</a:t>
+              <a:t>2018/6/2</a:t>
             </a:fld>
             <a:endParaRPr kumimoji="1" lang="ja-JP" altLang="en-US"/>
           </a:p>
@@ -7062,7 +7118,7 @@
           <a:p>
             <a:fld id="{43ACC8AE-FDAC-416B-848C-B56D92F4D0F2}" type="datetimeFigureOut">
               <a:rPr kumimoji="1" lang="ja-JP" altLang="en-US" smtClean="0"/>
-              <a:t>2018/6/1</a:t>
+              <a:t>2018/6/2</a:t>
             </a:fld>
             <a:endParaRPr kumimoji="1" lang="ja-JP" altLang="en-US"/>
           </a:p>
@@ -7449,7 +7505,7 @@
           <a:p>
             <a:fld id="{43ACC8AE-FDAC-416B-848C-B56D92F4D0F2}" type="datetimeFigureOut">
               <a:rPr kumimoji="1" lang="ja-JP" altLang="en-US" smtClean="0"/>
-              <a:t>2018/6/1</a:t>
+              <a:t>2018/6/2</a:t>
             </a:fld>
             <a:endParaRPr kumimoji="1" lang="ja-JP" altLang="en-US"/>
           </a:p>
@@ -7970,7 +8026,7 @@
           <a:p>
             <a:fld id="{43ACC8AE-FDAC-416B-848C-B56D92F4D0F2}" type="datetimeFigureOut">
               <a:rPr kumimoji="1" lang="ja-JP" altLang="en-US" smtClean="0"/>
-              <a:t>2018/6/1</a:t>
+              <a:t>2018/6/2</a:t>
             </a:fld>
             <a:endParaRPr kumimoji="1" lang="ja-JP" altLang="en-US"/>
           </a:p>
@@ -8175,7 +8231,7 @@
           <a:p>
             <a:fld id="{43ACC8AE-FDAC-416B-848C-B56D92F4D0F2}" type="datetimeFigureOut">
               <a:rPr kumimoji="1" lang="ja-JP" altLang="en-US" smtClean="0"/>
-              <a:t>2018/6/1</a:t>
+              <a:t>2018/6/2</a:t>
             </a:fld>
             <a:endParaRPr kumimoji="1" lang="ja-JP" altLang="en-US"/>
           </a:p>
@@ -8352,7 +8408,7 @@
           <a:p>
             <a:fld id="{43ACC8AE-FDAC-416B-848C-B56D92F4D0F2}" type="datetimeFigureOut">
               <a:rPr kumimoji="1" lang="ja-JP" altLang="en-US" smtClean="0"/>
-              <a:t>2018/6/1</a:t>
+              <a:t>2018/6/2</a:t>
             </a:fld>
             <a:endParaRPr kumimoji="1" lang="ja-JP" altLang="en-US"/>
           </a:p>
@@ -8717,7 +8773,7 @@
           <a:p>
             <a:fld id="{43ACC8AE-FDAC-416B-848C-B56D92F4D0F2}" type="datetimeFigureOut">
               <a:rPr kumimoji="1" lang="ja-JP" altLang="en-US" smtClean="0"/>
-              <a:t>2018/6/1</a:t>
+              <a:t>2018/6/2</a:t>
             </a:fld>
             <a:endParaRPr kumimoji="1" lang="ja-JP" altLang="en-US"/>
           </a:p>
@@ -9062,7 +9118,7 @@
           <a:p>
             <a:fld id="{43ACC8AE-FDAC-416B-848C-B56D92F4D0F2}" type="datetimeFigureOut">
               <a:rPr kumimoji="1" lang="ja-JP" altLang="en-US" smtClean="0"/>
-              <a:t>2018/6/1</a:t>
+              <a:t>2018/6/2</a:t>
             </a:fld>
             <a:endParaRPr kumimoji="1" lang="ja-JP" altLang="en-US"/>
           </a:p>
@@ -11211,7 +11267,7 @@
           <a:p>
             <a:fld id="{43ACC8AE-FDAC-416B-848C-B56D92F4D0F2}" type="datetimeFigureOut">
               <a:rPr kumimoji="1" lang="ja-JP" altLang="en-US" smtClean="0"/>
-              <a:t>2018/6/1</a:t>
+              <a:t>2018/6/2</a:t>
             </a:fld>
             <a:endParaRPr kumimoji="1" lang="ja-JP" altLang="en-US"/>
           </a:p>
@@ -11823,15 +11879,6 @@
               </a:rPr>
               <a:t>』</a:t>
             </a:r>
-            <a:endParaRPr lang="en-US" altLang="ja-JP" sz="3200" dirty="0" smtClean="0">
-              <a:effectLst>
-                <a:outerShdw blurRad="38100" dist="38100" dir="2700000" algn="tl">
-                  <a:srgbClr val="000000">
-                    <a:alpha val="43137"/>
-                  </a:srgbClr>
-                </a:outerShdw>
-              </a:effectLst>
-            </a:endParaRPr>
           </a:p>
           <a:p>
             <a:pPr algn="r"/>
@@ -12653,6 +12700,13 @@
           <a:prstGeom prst="rect">
             <a:avLst/>
           </a:prstGeom>
+          <a:ln>
+            <a:solidFill>
+              <a:schemeClr val="bg1">
+                <a:lumMod val="65000"/>
+              </a:schemeClr>
+            </a:solidFill>
+          </a:ln>
         </p:spPr>
       </p:pic>
     </p:spTree>
@@ -13016,23 +13070,7 @@
             <a:pPr lvl="1"/>
             <a:r>
               <a:rPr lang="ja-JP" altLang="en-US" dirty="0" smtClean="0"/>
-              <a:t>始動～ゲーム</a:t>
-            </a:r>
-            <a:r>
-              <a:rPr lang="ja-JP" altLang="en-US" dirty="0" smtClean="0"/>
-              <a:t>の</a:t>
-            </a:r>
-            <a:r>
-              <a:rPr lang="ja-JP" altLang="en-US" dirty="0" smtClean="0"/>
-              <a:t>内容検討</a:t>
-            </a:r>
-            <a:r>
-              <a:rPr lang="ja-JP" altLang="en-US" dirty="0" smtClean="0"/>
-              <a:t>～</a:t>
-            </a:r>
-            <a:r>
-              <a:rPr lang="ja-JP" altLang="en-US" dirty="0" smtClean="0"/>
-              <a:t>方向性あっさりと決まった</a:t>
+              <a:t>始動～ゲームの内容検討～方向性あっさりと決まった</a:t>
             </a:r>
             <a:endParaRPr lang="en-US" altLang="ja-JP" dirty="0" smtClean="0"/>
           </a:p>
@@ -13605,11 +13643,7 @@
           <a:p>
             <a:r>
               <a:rPr kumimoji="1" lang="ja-JP" altLang="en-US" dirty="0" smtClean="0"/>
-              <a:t>テーマ</a:t>
-            </a:r>
-            <a:r>
-              <a:rPr kumimoji="1" lang="ja-JP" altLang="en-US" dirty="0" smtClean="0"/>
-              <a:t>は「対戦 </a:t>
+              <a:t>テーマは「対戦 </a:t>
             </a:r>
             <a:r>
               <a:rPr kumimoji="1" lang="en-US" altLang="ja-JP" dirty="0" smtClean="0"/>
@@ -13672,11 +13706,7 @@
             </a:r>
             <a:r>
               <a:rPr lang="ja-JP" altLang="en-US" dirty="0" smtClean="0"/>
-              <a:t>複数台をネットワークで</a:t>
-            </a:r>
-            <a:r>
-              <a:rPr lang="ja-JP" altLang="en-US" dirty="0" smtClean="0"/>
-              <a:t>繋ぐ通信型ゲーム</a:t>
+              <a:t>複数台をネットワークで繋ぐ通信型ゲーム</a:t>
             </a:r>
             <a:endParaRPr lang="en-US" altLang="ja-JP" dirty="0" smtClean="0"/>
           </a:p>
@@ -13700,11 +13730,7 @@
             <a:pPr lvl="1"/>
             <a:r>
               <a:rPr lang="ja-JP" altLang="en-US" dirty="0" smtClean="0"/>
-              <a:t>子機＝</a:t>
-            </a:r>
-            <a:r>
-              <a:rPr lang="ja-JP" altLang="en-US" dirty="0" smtClean="0"/>
-              <a:t>仕込み役、飛行役、サポート役</a:t>
+              <a:t>子機＝仕込み役、飛行役、サポート役</a:t>
             </a:r>
             <a:endParaRPr lang="en-US" altLang="ja-JP" dirty="0" smtClean="0"/>
           </a:p>
@@ -14621,11 +14647,7 @@
           <a:p>
             <a:r>
               <a:rPr kumimoji="1" lang="ja-JP" altLang="en-US" dirty="0" smtClean="0"/>
-              <a:t>何を使って作ろう</a:t>
-            </a:r>
-            <a:r>
-              <a:rPr kumimoji="1" lang="ja-JP" altLang="en-US" dirty="0" smtClean="0"/>
-              <a:t>か？</a:t>
+              <a:t>何を使って作ろうか？</a:t>
             </a:r>
             <a:endParaRPr kumimoji="1" lang="en-US" altLang="ja-JP" dirty="0" smtClean="0"/>
           </a:p>
@@ -14720,11 +14742,7 @@
             <a:pPr lvl="1"/>
             <a:r>
               <a:rPr kumimoji="1" lang="ja-JP" altLang="en-US" dirty="0" smtClean="0"/>
-              <a:t>ファイル</a:t>
-            </a:r>
-            <a:r>
-              <a:rPr kumimoji="1" lang="ja-JP" altLang="en-US" dirty="0" smtClean="0"/>
-              <a:t>共有 </a:t>
+              <a:t>ファイル共有 </a:t>
             </a:r>
             <a:r>
               <a:rPr kumimoji="1" lang="en-US" altLang="ja-JP" dirty="0" smtClean="0"/>
@@ -14752,11 +14770,7 @@
             <a:pPr lvl="1"/>
             <a:r>
               <a:rPr kumimoji="1" lang="ja-JP" altLang="en-US" dirty="0" smtClean="0"/>
-              <a:t>役割</a:t>
-            </a:r>
-            <a:r>
-              <a:rPr kumimoji="1" lang="ja-JP" altLang="en-US" dirty="0" smtClean="0"/>
-              <a:t>分担</a:t>
+              <a:t>役割分担</a:t>
             </a:r>
             <a:endParaRPr kumimoji="1" lang="en-US" altLang="ja-JP" dirty="0" smtClean="0"/>
           </a:p>
